--- a/ML_Time_Series_Forecasting_Error.pptx
+++ b/ML_Time_Series_Forecasting_Error.pptx
@@ -15510,7 +15510,7 @@
             </a:r>
             <a:r>
               <a:rPr lang="en-US" sz="1400" dirty="0"/>
-              <a:t> by shifting the whole time series up ot down – away from zero. But then the error estimate will depend on the value of this shift.</a:t>
+              <a:t> by shifting the whole time series up or down – away from zero. But then the error estimate will depend on the value of this shift.</a:t>
             </a:r>
           </a:p>
           <a:p>
